--- a/drafts/2018/er_and_l/erl_20180306_presentation_v2.pptx
+++ b/drafts/2018/er_and_l/erl_20180306_presentation_v2.pptx
@@ -992,6 +992,369 @@
             <p:ph type="sldImg"/>
           </p:nvPr>
         </p:nvSpPr>
+        <p:spPr/>
+      </p:sp>
+      <p:sp>
+        <p:nvSpPr>
+          <p:cNvPr id="3" name="Notes Placeholder 2"/>
+          <p:cNvSpPr>
+            <a:spLocks noGrp="1"/>
+          </p:cNvSpPr>
+          <p:nvPr>
+            <p:ph type="body" idx="1"/>
+          </p:nvPr>
+        </p:nvSpPr>
+        <p:spPr/>
+        <p:txBody>
+          <a:bodyPr/>
+          <a:lstStyle/>
+          <a:p>
+            <a:r>
+              <a:rPr lang="en-US" dirty="0" smtClean="0"/>
+              <a:t>This is a typical UFDC ‘brief results’ page</a:t>
+            </a:r>
+            <a:r>
+              <a:rPr lang="en-US" baseline="0" dirty="0" smtClean="0"/>
+              <a:t> that happens to feature the first two Elsevier items that appear in a search. </a:t>
+            </a:r>
+          </a:p>
+          <a:p>
+            <a:endParaRPr lang="en-US" dirty="0"/>
+          </a:p>
+        </p:txBody>
+      </p:sp>
+      <p:sp>
+        <p:nvSpPr>
+          <p:cNvPr id="4" name="Slide Number Placeholder 3"/>
+          <p:cNvSpPr>
+            <a:spLocks noGrp="1"/>
+          </p:cNvSpPr>
+          <p:nvPr>
+            <p:ph type="sldNum" sz="quarter" idx="10"/>
+          </p:nvPr>
+        </p:nvSpPr>
+        <p:spPr/>
+        <p:txBody>
+          <a:bodyPr/>
+          <a:lstStyle/>
+          <a:p>
+            <a:pPr lvl="0"/>
+            <a:fld id="{3D7D5880-0E2F-4C77-8D30-507750565774}" type="slidenum">
+              <a:rPr lang="en-US" smtClean="0"/>
+              <a:t>4</a:t>
+            </a:fld>
+            <a:endParaRPr lang="en-US"/>
+          </a:p>
+        </p:txBody>
+      </p:sp>
+    </p:spTree>
+    <p:extLst>
+      <p:ext uri="{BB962C8B-B14F-4D97-AF65-F5344CB8AC3E}">
+        <p14:creationId xmlns:p14="http://schemas.microsoft.com/office/powerpoint/2010/main" val="3674022799"/>
+      </p:ext>
+    </p:extLst>
+  </p:cSld>
+  <p:clrMapOvr>
+    <a:masterClrMapping/>
+  </p:clrMapOvr>
+</p:notes>
+</file>
+
+<file path=ppt/notesSlides/notesSlide4.xml><?xml version="1.0" encoding="utf-8"?>
+<p:notes xmlns:a="http://schemas.openxmlformats.org/drawingml/2006/main" xmlns:r="http://schemas.openxmlformats.org/officeDocument/2006/relationships" xmlns:p="http://schemas.openxmlformats.org/presentationml/2006/main">
+  <p:cSld>
+    <p:spTree>
+      <p:nvGrpSpPr>
+        <p:cNvPr id="1" name=""/>
+        <p:cNvGrpSpPr/>
+        <p:nvPr/>
+      </p:nvGrpSpPr>
+      <p:grpSpPr>
+        <a:xfrm>
+          <a:off x="0" y="0"/>
+          <a:ext cx="0" cy="0"/>
+          <a:chOff x="0" y="0"/>
+          <a:chExt cx="0" cy="0"/>
+        </a:xfrm>
+      </p:grpSpPr>
+      <p:sp>
+        <p:nvSpPr>
+          <p:cNvPr id="2" name="Slide Image Placeholder 1"/>
+          <p:cNvSpPr>
+            <a:spLocks noGrp="1" noRot="1" noChangeAspect="1"/>
+          </p:cNvSpPr>
+          <p:nvPr>
+            <p:ph type="sldImg"/>
+          </p:nvPr>
+        </p:nvSpPr>
+        <p:spPr/>
+      </p:sp>
+      <p:sp>
+        <p:nvSpPr>
+          <p:cNvPr id="3" name="Notes Placeholder 2"/>
+          <p:cNvSpPr>
+            <a:spLocks noGrp="1"/>
+          </p:cNvSpPr>
+          <p:nvPr>
+            <p:ph type="body" idx="1"/>
+          </p:nvPr>
+        </p:nvSpPr>
+        <p:spPr/>
+        <p:txBody>
+          <a:bodyPr/>
+          <a:lstStyle/>
+          <a:p>
+            <a:r>
+              <a:rPr lang="en-US" dirty="0" smtClean="0"/>
+              <a:t>Note: The thumbnail image label</a:t>
+            </a:r>
+            <a:r>
+              <a:rPr lang="en-US" baseline="0" dirty="0" smtClean="0"/>
+              <a:t> wording is undergoing review between Elsevier and UF.</a:t>
+            </a:r>
+            <a:endParaRPr lang="en-US" dirty="0"/>
+          </a:p>
+        </p:txBody>
+      </p:sp>
+      <p:sp>
+        <p:nvSpPr>
+          <p:cNvPr id="4" name="Slide Number Placeholder 3"/>
+          <p:cNvSpPr>
+            <a:spLocks noGrp="1"/>
+          </p:cNvSpPr>
+          <p:nvPr>
+            <p:ph type="sldNum" sz="quarter" idx="10"/>
+          </p:nvPr>
+        </p:nvSpPr>
+        <p:spPr/>
+        <p:txBody>
+          <a:bodyPr/>
+          <a:lstStyle/>
+          <a:p>
+            <a:pPr lvl="0"/>
+            <a:fld id="{3D7D5880-0E2F-4C77-8D30-507750565774}" type="slidenum">
+              <a:rPr lang="en-US" smtClean="0"/>
+              <a:t>5</a:t>
+            </a:fld>
+            <a:endParaRPr lang="en-US"/>
+          </a:p>
+        </p:txBody>
+      </p:sp>
+    </p:spTree>
+    <p:extLst>
+      <p:ext uri="{BB962C8B-B14F-4D97-AF65-F5344CB8AC3E}">
+        <p14:creationId xmlns:p14="http://schemas.microsoft.com/office/powerpoint/2010/main" val="4270625082"/>
+      </p:ext>
+    </p:extLst>
+  </p:cSld>
+  <p:clrMapOvr>
+    <a:masterClrMapping/>
+  </p:clrMapOvr>
+</p:notes>
+</file>
+
+<file path=ppt/notesSlides/notesSlide5.xml><?xml version="1.0" encoding="utf-8"?>
+<p:notes xmlns:a="http://schemas.openxmlformats.org/drawingml/2006/main" xmlns:r="http://schemas.openxmlformats.org/officeDocument/2006/relationships" xmlns:p="http://schemas.openxmlformats.org/presentationml/2006/main">
+  <p:cSld>
+    <p:spTree>
+      <p:nvGrpSpPr>
+        <p:cNvPr id="1" name=""/>
+        <p:cNvGrpSpPr/>
+        <p:nvPr/>
+      </p:nvGrpSpPr>
+      <p:grpSpPr>
+        <a:xfrm>
+          <a:off x="0" y="0"/>
+          <a:ext cx="0" cy="0"/>
+          <a:chOff x="0" y="0"/>
+          <a:chExt cx="0" cy="0"/>
+        </a:xfrm>
+      </p:grpSpPr>
+      <p:sp>
+        <p:nvSpPr>
+          <p:cNvPr id="2" name="Slide Image Placeholder 1"/>
+          <p:cNvSpPr>
+            <a:spLocks noGrp="1" noRot="1" noChangeAspect="1"/>
+          </p:cNvSpPr>
+          <p:nvPr>
+            <p:ph type="sldImg"/>
+          </p:nvPr>
+        </p:nvSpPr>
+        <p:spPr/>
+      </p:sp>
+      <p:sp>
+        <p:nvSpPr>
+          <p:cNvPr id="3" name="Notes Placeholder 2"/>
+          <p:cNvSpPr>
+            <a:spLocks noGrp="1"/>
+          </p:cNvSpPr>
+          <p:nvPr>
+            <p:ph type="body" idx="1"/>
+          </p:nvPr>
+        </p:nvSpPr>
+        <p:spPr/>
+        <p:txBody>
+          <a:bodyPr/>
+          <a:lstStyle/>
+          <a:p>
+            <a:r>
+              <a:rPr lang="en-US" dirty="0" smtClean="0"/>
+              <a:t>This is the Elsevier</a:t>
+            </a:r>
+            <a:r>
+              <a:rPr lang="en-US" baseline="0" dirty="0" smtClean="0"/>
+              <a:t> Streaming Image viewer, visited when a UFDC user clicks on a result for an Accepted Manuscript (the phrase</a:t>
+            </a:r>
+          </a:p>
+          <a:p>
+            <a:r>
+              <a:rPr lang="en-US" baseline="0" dirty="0" smtClean="0"/>
+              <a:t>Open Manuscript is also under consideration).</a:t>
+            </a:r>
+          </a:p>
+          <a:p>
+            <a:endParaRPr lang="en-US" baseline="0" dirty="0" smtClean="0"/>
+          </a:p>
+          <a:p>
+            <a:r>
+              <a:rPr lang="en-US" baseline="0" dirty="0" smtClean="0"/>
+              <a:t>This is an image only viewer with left and right arrows to allow quick paging through the document page images.</a:t>
+            </a:r>
+          </a:p>
+          <a:p>
+            <a:endParaRPr lang="en-US" baseline="0" dirty="0" smtClean="0"/>
+          </a:p>
+          <a:p>
+            <a:r>
+              <a:rPr lang="en-US" baseline="0" dirty="0" smtClean="0"/>
+              <a:t>UF IR Web software  shows the Elsevier viewer in the main frame (</a:t>
+            </a:r>
+            <a:r>
+              <a:rPr lang="en-US" baseline="0" dirty="0" err="1" smtClean="0"/>
+              <a:t>i</a:t>
+            </a:r>
+            <a:r>
+              <a:rPr lang="en-US" baseline="0" dirty="0" smtClean="0"/>
+              <a:t>-frame), but UF software does retain control of the display in the top and left margins.</a:t>
+            </a:r>
+          </a:p>
+          <a:p>
+            <a:endParaRPr lang="en-US" baseline="0" dirty="0" smtClean="0"/>
+          </a:p>
+          <a:p>
+            <a:r>
+              <a:rPr lang="en-US" baseline="0" dirty="0" smtClean="0"/>
+              <a:t>In the left margin, UF displays a badge to remind the user of any use restrictions, and UF may make future use of that space to</a:t>
+            </a:r>
+          </a:p>
+          <a:p>
+            <a:r>
+              <a:rPr lang="en-US" baseline="0" dirty="0" smtClean="0"/>
+              <a:t>provide the user with other important notices for the user about this document.</a:t>
+            </a:r>
+          </a:p>
+          <a:p>
+            <a:endParaRPr lang="en-US" baseline="0" dirty="0" smtClean="0"/>
+          </a:p>
+          <a:p>
+            <a:r>
+              <a:rPr lang="en-US" baseline="0" dirty="0" smtClean="0"/>
+              <a:t>At the bottom of the Elsevier Streaming Image Viewer frame is a hard to see link (Elsevier plans to make it more prominent) that </a:t>
+            </a:r>
+          </a:p>
+          <a:p>
+            <a:r>
+              <a:rPr lang="en-US" baseline="0" dirty="0" smtClean="0"/>
+              <a:t>when clicked, leads to the under-development Elsevier PDF text viewer.</a:t>
+            </a:r>
+          </a:p>
+          <a:p>
+            <a:endParaRPr lang="en-US" baseline="0" dirty="0" smtClean="0"/>
+          </a:p>
+          <a:p>
+            <a:r>
+              <a:rPr lang="en-US" baseline="0" dirty="0" smtClean="0"/>
+              <a:t>UF has no control of the Elsevier PDF Text viewer, and so this pre-requisite streaming image viewer is used to display important notices and provide other IR@UF standard options for the document in the top blue-colored menu bar. </a:t>
+            </a:r>
+          </a:p>
+          <a:p>
+            <a:endParaRPr lang="en-US" baseline="0" dirty="0" smtClean="0"/>
+          </a:p>
+          <a:p>
+            <a:r>
+              <a:rPr lang="en-US" baseline="0" dirty="0" smtClean="0"/>
+              <a:t>Also under consideration is a design that calls for the final version of the Elsevier PDF text viewer to be housed directly in the I-Frame.</a:t>
+            </a:r>
+          </a:p>
+          <a:p>
+            <a:endParaRPr lang="en-US" dirty="0"/>
+          </a:p>
+        </p:txBody>
+      </p:sp>
+      <p:sp>
+        <p:nvSpPr>
+          <p:cNvPr id="4" name="Slide Number Placeholder 3"/>
+          <p:cNvSpPr>
+            <a:spLocks noGrp="1"/>
+          </p:cNvSpPr>
+          <p:nvPr>
+            <p:ph type="sldNum" sz="quarter" idx="10"/>
+          </p:nvPr>
+        </p:nvSpPr>
+        <p:spPr/>
+        <p:txBody>
+          <a:bodyPr/>
+          <a:lstStyle/>
+          <a:p>
+            <a:pPr lvl="0"/>
+            <a:fld id="{3D7D5880-0E2F-4C77-8D30-507750565774}" type="slidenum">
+              <a:rPr lang="en-US" smtClean="0"/>
+              <a:t>6</a:t>
+            </a:fld>
+            <a:endParaRPr lang="en-US"/>
+          </a:p>
+        </p:txBody>
+      </p:sp>
+    </p:spTree>
+    <p:extLst>
+      <p:ext uri="{BB962C8B-B14F-4D97-AF65-F5344CB8AC3E}">
+        <p14:creationId xmlns:p14="http://schemas.microsoft.com/office/powerpoint/2010/main" val="2310464178"/>
+      </p:ext>
+    </p:extLst>
+  </p:cSld>
+  <p:clrMapOvr>
+    <a:masterClrMapping/>
+  </p:clrMapOvr>
+</p:notes>
+</file>
+
+<file path=ppt/notesSlides/notesSlide6.xml><?xml version="1.0" encoding="utf-8"?>
+<p:notes xmlns:a="http://schemas.openxmlformats.org/drawingml/2006/main" xmlns:r="http://schemas.openxmlformats.org/officeDocument/2006/relationships" xmlns:p="http://schemas.openxmlformats.org/presentationml/2006/main">
+  <p:cSld>
+    <p:spTree>
+      <p:nvGrpSpPr>
+        <p:cNvPr id="1" name=""/>
+        <p:cNvGrpSpPr/>
+        <p:nvPr/>
+      </p:nvGrpSpPr>
+      <p:grpSpPr>
+        <a:xfrm>
+          <a:off x="0" y="0"/>
+          <a:ext cx="0" cy="0"/>
+          <a:chOff x="0" y="0"/>
+          <a:chExt cx="0" cy="0"/>
+        </a:xfrm>
+      </p:grpSpPr>
+      <p:sp>
+        <p:nvSpPr>
+          <p:cNvPr id="2" name="Slide Image Placeholder 1"/>
+          <p:cNvSpPr>
+            <a:spLocks noGrp="1" noRot="1" noChangeAspect="1"/>
+          </p:cNvSpPr>
+          <p:nvPr>
+            <p:ph type="sldImg"/>
+          </p:nvPr>
+        </p:nvSpPr>
         <p:spPr>
           <a:xfrm>
             <a:off x="1106488" y="812800"/>
@@ -1020,20 +1383,31 @@
             </a:r>
             <a:r>
               <a:rPr lang="en-US" baseline="0" dirty="0" smtClean="0"/>
-              <a:t> by Elsevier and visited by clicking the PDF Download link below the UFDC Streaming viewer. </a:t>
+              <a:t> by Elsevier and visited by clicking the PDF Download link below the prerequisite UFDC Streaming viewer. </a:t>
             </a:r>
           </a:p>
           <a:p>
             <a:r>
               <a:rPr lang="en-US" baseline="0" dirty="0" smtClean="0"/>
-              <a:t>This viewer also does support ‘ctrl-f’ standard functionality to accept text search strings and to find them in the document.</a:t>
-            </a:r>
+              <a:t>In contrast, this PDF-text viewer does support ‘ctrl-f’ standard functionality to accept text search strings and to find them in the document.</a:t>
+            </a:r>
+          </a:p>
+          <a:p>
+            <a:endParaRPr lang="en-US" baseline="0" dirty="0" smtClean="0"/>
           </a:p>
           <a:p>
             <a:r>
               <a:rPr lang="en-US" baseline="0" dirty="0" smtClean="0"/>
-              <a:t>Other view options include display of a table of contents in the left margin, zooming options, too.</a:t>
-            </a:r>
+              <a:t>Other PDF-Text viewer options include display of a table of contents in the left margin, as well as </a:t>
+            </a:r>
+            <a:r>
+              <a:rPr lang="en-US" baseline="0" smtClean="0"/>
+              <a:t>zooming options.</a:t>
+            </a:r>
+            <a:endParaRPr lang="en-US" baseline="0" dirty="0" smtClean="0"/>
+          </a:p>
+          <a:p>
+            <a:endParaRPr lang="en-US" baseline="0" dirty="0" smtClean="0"/>
           </a:p>
           <a:p>
             <a:r>
@@ -5125,7 +5499,7 @@
           </p:nvPr>
         </p:nvPicPr>
         <p:blipFill>
-          <a:blip r:embed="rId2"/>
+          <a:blip r:embed="rId3"/>
           <a:stretch>
             <a:fillRect/>
           </a:stretch>
@@ -5215,7 +5589,7 @@
           </p:nvPr>
         </p:nvPicPr>
         <p:blipFill>
-          <a:blip r:embed="rId2">
+          <a:blip r:embed="rId3">
             <a:extLst>
               <a:ext uri="{28A0092B-C50C-407E-A947-70E740481C1C}">
                 <a14:useLocalDpi xmlns:a14="http://schemas.microsoft.com/office/drawing/2010/main" val="0"/>
@@ -5313,7 +5687,7 @@
           </p:nvPr>
         </p:nvPicPr>
         <p:blipFill>
-          <a:blip r:embed="rId2">
+          <a:blip r:embed="rId3">
             <a:extLst>
               <a:ext uri="{28A0092B-C50C-407E-A947-70E740481C1C}">
                 <a14:useLocalDpi xmlns:a14="http://schemas.microsoft.com/office/drawing/2010/main" val="0"/>
@@ -5503,7 +5877,7 @@
         </p:blipFill>
         <p:spPr>
           <a:xfrm>
-            <a:off x="1945758" y="1533046"/>
+            <a:off x="2238806" y="1544198"/>
             <a:ext cx="5602387" cy="5226748"/>
           </a:xfrm>
           <a:prstGeom prst="rect">
